--- a/ppt 16-9/1082.神要开道路.pptx
+++ b/ppt 16-9/1082.神要开道路.pptx
@@ -5,7 +5,7 @@
     <p:sldMasterId id="2147483648" r:id="rId1"/>
   </p:sldMasterIdLst>
   <p:sldIdLst>
-    <p:sldId id="536" r:id="rId2"/>
+    <p:sldId id="537" r:id="rId2"/>
   </p:sldIdLst>
   <p:sldSz cx="12192000" cy="6858000"/>
   <p:notesSz cx="6858000" cy="9144000"/>
@@ -129,7 +129,7 @@
           <p:cNvPr id="2" name="标题 1">
             <a:extLst>
               <a:ext uri="{FF2B5EF4-FFF2-40B4-BE49-F238E27FC236}">
-                <a16:creationId xmlns:a16="http://schemas.microsoft.com/office/drawing/2014/main" id="{0B42F4B7-4886-4E8A-50EA-8FBD8AA6B611}"/>
+                <a16:creationId xmlns:a16="http://schemas.microsoft.com/office/drawing/2014/main" id="{A15FE830-B2B0-CB3F-976E-21DC01F4F0EC}"/>
               </a:ext>
             </a:extLst>
           </p:cNvPr>
@@ -166,7 +166,7 @@
           <p:cNvPr id="3" name="副标题 2">
             <a:extLst>
               <a:ext uri="{FF2B5EF4-FFF2-40B4-BE49-F238E27FC236}">
-                <a16:creationId xmlns:a16="http://schemas.microsoft.com/office/drawing/2014/main" id="{EF3A2151-EC9A-B15B-CCA5-FFFAFDC3E147}"/>
+                <a16:creationId xmlns:a16="http://schemas.microsoft.com/office/drawing/2014/main" id="{3E63360A-6257-88D9-9F8E-0CB6F2678789}"/>
               </a:ext>
             </a:extLst>
           </p:cNvPr>
@@ -236,7 +236,7 @@
           <p:cNvPr id="4" name="日期占位符 3">
             <a:extLst>
               <a:ext uri="{FF2B5EF4-FFF2-40B4-BE49-F238E27FC236}">
-                <a16:creationId xmlns:a16="http://schemas.microsoft.com/office/drawing/2014/main" id="{4F1CCD70-BCD7-7AEC-EF17-4D719FAE8FE8}"/>
+                <a16:creationId xmlns:a16="http://schemas.microsoft.com/office/drawing/2014/main" id="{E60FADB5-C9D6-9346-9620-CC8A1D4C8CE1}"/>
               </a:ext>
             </a:extLst>
           </p:cNvPr>
@@ -252,7 +252,7 @@
           <a:bodyPr/>
           <a:lstStyle/>
           <a:p>
-            <a:fld id="{85DDC8BA-F7DF-4ACA-B0AC-3A6B5FE95FFE}" type="datetimeFigureOut">
+            <a:fld id="{D2043A13-8273-4F8D-9486-220293FC9E47}" type="datetimeFigureOut">
               <a:rPr lang="zh-CN" altLang="en-US" smtClean="0"/>
               <a:t>2024/3/10</a:t>
             </a:fld>
@@ -265,7 +265,7 @@
           <p:cNvPr id="5" name="页脚占位符 4">
             <a:extLst>
               <a:ext uri="{FF2B5EF4-FFF2-40B4-BE49-F238E27FC236}">
-                <a16:creationId xmlns:a16="http://schemas.microsoft.com/office/drawing/2014/main" id="{6AFF8E52-7BFD-E8A4-886C-74732E472CFD}"/>
+                <a16:creationId xmlns:a16="http://schemas.microsoft.com/office/drawing/2014/main" id="{1591DE87-B2A7-549E-880A-87E4F15935FD}"/>
               </a:ext>
             </a:extLst>
           </p:cNvPr>
@@ -290,7 +290,7 @@
           <p:cNvPr id="6" name="灯片编号占位符 5">
             <a:extLst>
               <a:ext uri="{FF2B5EF4-FFF2-40B4-BE49-F238E27FC236}">
-                <a16:creationId xmlns:a16="http://schemas.microsoft.com/office/drawing/2014/main" id="{68EAC430-C66F-7AF1-9C8D-B6F157A37B26}"/>
+                <a16:creationId xmlns:a16="http://schemas.microsoft.com/office/drawing/2014/main" id="{94FED01E-DF6E-79D2-C2D4-2B492A09B587}"/>
               </a:ext>
             </a:extLst>
           </p:cNvPr>
@@ -306,7 +306,7 @@
           <a:bodyPr/>
           <a:lstStyle/>
           <a:p>
-            <a:fld id="{FC7AF31B-4454-4BB5-88AC-DB483A89AE10}" type="slidenum">
+            <a:fld id="{CE70EE3B-9308-452A-97A4-BDA222A7E0BE}" type="slidenum">
               <a:rPr lang="zh-CN" altLang="en-US" smtClean="0"/>
               <a:t>‹#›</a:t>
             </a:fld>
@@ -317,7 +317,7 @@
     </p:spTree>
     <p:extLst>
       <p:ext uri="{BB962C8B-B14F-4D97-AF65-F5344CB8AC3E}">
-        <p14:creationId xmlns:p14="http://schemas.microsoft.com/office/powerpoint/2010/main" val="140622893"/>
+        <p14:creationId xmlns:p14="http://schemas.microsoft.com/office/powerpoint/2010/main" val="828071152"/>
       </p:ext>
     </p:extLst>
   </p:cSld>
@@ -349,7 +349,7 @@
           <p:cNvPr id="2" name="标题 1">
             <a:extLst>
               <a:ext uri="{FF2B5EF4-FFF2-40B4-BE49-F238E27FC236}">
-                <a16:creationId xmlns:a16="http://schemas.microsoft.com/office/drawing/2014/main" id="{F0538578-1586-9D57-686A-8DABD18DEF59}"/>
+                <a16:creationId xmlns:a16="http://schemas.microsoft.com/office/drawing/2014/main" id="{04CBD89C-0902-87E3-29A8-D5DF3BFDD442}"/>
               </a:ext>
             </a:extLst>
           </p:cNvPr>
@@ -377,7 +377,7 @@
           <p:cNvPr id="3" name="竖排文字占位符 2">
             <a:extLst>
               <a:ext uri="{FF2B5EF4-FFF2-40B4-BE49-F238E27FC236}">
-                <a16:creationId xmlns:a16="http://schemas.microsoft.com/office/drawing/2014/main" id="{785A093F-66CE-1514-9812-598F59E14144}"/>
+                <a16:creationId xmlns:a16="http://schemas.microsoft.com/office/drawing/2014/main" id="{B30DAC8B-E322-5D8D-577A-E409D44694B6}"/>
               </a:ext>
             </a:extLst>
           </p:cNvPr>
@@ -434,7 +434,7 @@
           <p:cNvPr id="4" name="日期占位符 3">
             <a:extLst>
               <a:ext uri="{FF2B5EF4-FFF2-40B4-BE49-F238E27FC236}">
-                <a16:creationId xmlns:a16="http://schemas.microsoft.com/office/drawing/2014/main" id="{D4AB0736-5F5A-FADB-7F36-E4F646597C3B}"/>
+                <a16:creationId xmlns:a16="http://schemas.microsoft.com/office/drawing/2014/main" id="{746EE59F-6941-5BC3-9F57-74399501E274}"/>
               </a:ext>
             </a:extLst>
           </p:cNvPr>
@@ -450,7 +450,7 @@
           <a:bodyPr/>
           <a:lstStyle/>
           <a:p>
-            <a:fld id="{85DDC8BA-F7DF-4ACA-B0AC-3A6B5FE95FFE}" type="datetimeFigureOut">
+            <a:fld id="{D2043A13-8273-4F8D-9486-220293FC9E47}" type="datetimeFigureOut">
               <a:rPr lang="zh-CN" altLang="en-US" smtClean="0"/>
               <a:t>2024/3/10</a:t>
             </a:fld>
@@ -463,7 +463,7 @@
           <p:cNvPr id="5" name="页脚占位符 4">
             <a:extLst>
               <a:ext uri="{FF2B5EF4-FFF2-40B4-BE49-F238E27FC236}">
-                <a16:creationId xmlns:a16="http://schemas.microsoft.com/office/drawing/2014/main" id="{C4B81F7C-F087-B938-4667-29D48EEE8145}"/>
+                <a16:creationId xmlns:a16="http://schemas.microsoft.com/office/drawing/2014/main" id="{F3CE8C38-C157-2133-59A6-453471D6A44C}"/>
               </a:ext>
             </a:extLst>
           </p:cNvPr>
@@ -488,7 +488,7 @@
           <p:cNvPr id="6" name="灯片编号占位符 5">
             <a:extLst>
               <a:ext uri="{FF2B5EF4-FFF2-40B4-BE49-F238E27FC236}">
-                <a16:creationId xmlns:a16="http://schemas.microsoft.com/office/drawing/2014/main" id="{90EAA67C-F798-F2A5-AE94-5FA87C308A43}"/>
+                <a16:creationId xmlns:a16="http://schemas.microsoft.com/office/drawing/2014/main" id="{8D3EF46D-968B-3BAF-7A1A-B0A129FD33C1}"/>
               </a:ext>
             </a:extLst>
           </p:cNvPr>
@@ -504,7 +504,7 @@
           <a:bodyPr/>
           <a:lstStyle/>
           <a:p>
-            <a:fld id="{FC7AF31B-4454-4BB5-88AC-DB483A89AE10}" type="slidenum">
+            <a:fld id="{CE70EE3B-9308-452A-97A4-BDA222A7E0BE}" type="slidenum">
               <a:rPr lang="zh-CN" altLang="en-US" smtClean="0"/>
               <a:t>‹#›</a:t>
             </a:fld>
@@ -515,7 +515,7 @@
     </p:spTree>
     <p:extLst>
       <p:ext uri="{BB962C8B-B14F-4D97-AF65-F5344CB8AC3E}">
-        <p14:creationId xmlns:p14="http://schemas.microsoft.com/office/powerpoint/2010/main" val="2224335645"/>
+        <p14:creationId xmlns:p14="http://schemas.microsoft.com/office/powerpoint/2010/main" val="1872086507"/>
       </p:ext>
     </p:extLst>
   </p:cSld>
@@ -547,7 +547,7 @@
           <p:cNvPr id="2" name="竖排标题 1">
             <a:extLst>
               <a:ext uri="{FF2B5EF4-FFF2-40B4-BE49-F238E27FC236}">
-                <a16:creationId xmlns:a16="http://schemas.microsoft.com/office/drawing/2014/main" id="{69E92F5B-626B-9793-EE1E-F3E08835F119}"/>
+                <a16:creationId xmlns:a16="http://schemas.microsoft.com/office/drawing/2014/main" id="{5F9F8D8D-8CE1-37E7-798D-DD1C86AA6986}"/>
               </a:ext>
             </a:extLst>
           </p:cNvPr>
@@ -580,7 +580,7 @@
           <p:cNvPr id="3" name="竖排文字占位符 2">
             <a:extLst>
               <a:ext uri="{FF2B5EF4-FFF2-40B4-BE49-F238E27FC236}">
-                <a16:creationId xmlns:a16="http://schemas.microsoft.com/office/drawing/2014/main" id="{94368AD8-C71F-F8F3-2F58-497B12DE88C8}"/>
+                <a16:creationId xmlns:a16="http://schemas.microsoft.com/office/drawing/2014/main" id="{32E35EB3-E4DA-B851-9C71-FB9A8DC1E040}"/>
               </a:ext>
             </a:extLst>
           </p:cNvPr>
@@ -642,7 +642,7 @@
           <p:cNvPr id="4" name="日期占位符 3">
             <a:extLst>
               <a:ext uri="{FF2B5EF4-FFF2-40B4-BE49-F238E27FC236}">
-                <a16:creationId xmlns:a16="http://schemas.microsoft.com/office/drawing/2014/main" id="{6DAFA55F-7F4F-736A-0F97-1A06B02F11D5}"/>
+                <a16:creationId xmlns:a16="http://schemas.microsoft.com/office/drawing/2014/main" id="{4887E82E-23FB-80ED-3153-9685B68CD718}"/>
               </a:ext>
             </a:extLst>
           </p:cNvPr>
@@ -658,7 +658,7 @@
           <a:bodyPr/>
           <a:lstStyle/>
           <a:p>
-            <a:fld id="{85DDC8BA-F7DF-4ACA-B0AC-3A6B5FE95FFE}" type="datetimeFigureOut">
+            <a:fld id="{D2043A13-8273-4F8D-9486-220293FC9E47}" type="datetimeFigureOut">
               <a:rPr lang="zh-CN" altLang="en-US" smtClean="0"/>
               <a:t>2024/3/10</a:t>
             </a:fld>
@@ -671,7 +671,7 @@
           <p:cNvPr id="5" name="页脚占位符 4">
             <a:extLst>
               <a:ext uri="{FF2B5EF4-FFF2-40B4-BE49-F238E27FC236}">
-                <a16:creationId xmlns:a16="http://schemas.microsoft.com/office/drawing/2014/main" id="{6B0BBA32-FA51-F636-A0A5-8571CC4B4F69}"/>
+                <a16:creationId xmlns:a16="http://schemas.microsoft.com/office/drawing/2014/main" id="{BDCE774A-D9EB-9E11-6100-EDFF195EDA6A}"/>
               </a:ext>
             </a:extLst>
           </p:cNvPr>
@@ -696,7 +696,7 @@
           <p:cNvPr id="6" name="灯片编号占位符 5">
             <a:extLst>
               <a:ext uri="{FF2B5EF4-FFF2-40B4-BE49-F238E27FC236}">
-                <a16:creationId xmlns:a16="http://schemas.microsoft.com/office/drawing/2014/main" id="{0B988B92-CADA-DA63-FAA3-D350B9255FA3}"/>
+                <a16:creationId xmlns:a16="http://schemas.microsoft.com/office/drawing/2014/main" id="{9A585724-483D-0B9E-6B6B-E194F8F06B1D}"/>
               </a:ext>
             </a:extLst>
           </p:cNvPr>
@@ -712,7 +712,7 @@
           <a:bodyPr/>
           <a:lstStyle/>
           <a:p>
-            <a:fld id="{FC7AF31B-4454-4BB5-88AC-DB483A89AE10}" type="slidenum">
+            <a:fld id="{CE70EE3B-9308-452A-97A4-BDA222A7E0BE}" type="slidenum">
               <a:rPr lang="zh-CN" altLang="en-US" smtClean="0"/>
               <a:t>‹#›</a:t>
             </a:fld>
@@ -723,7 +723,7 @@
     </p:spTree>
     <p:extLst>
       <p:ext uri="{BB962C8B-B14F-4D97-AF65-F5344CB8AC3E}">
-        <p14:creationId xmlns:p14="http://schemas.microsoft.com/office/powerpoint/2010/main" val="1624737889"/>
+        <p14:creationId xmlns:p14="http://schemas.microsoft.com/office/powerpoint/2010/main" val="2332134167"/>
       </p:ext>
     </p:extLst>
   </p:cSld>
@@ -755,7 +755,7 @@
           <p:cNvPr id="2" name="标题 1">
             <a:extLst>
               <a:ext uri="{FF2B5EF4-FFF2-40B4-BE49-F238E27FC236}">
-                <a16:creationId xmlns:a16="http://schemas.microsoft.com/office/drawing/2014/main" id="{EB8A92BA-4006-D8DB-4BE9-E28D384D6DC2}"/>
+                <a16:creationId xmlns:a16="http://schemas.microsoft.com/office/drawing/2014/main" id="{47FD96B3-0C93-3A27-0A51-63A9F8E6EE5B}"/>
               </a:ext>
             </a:extLst>
           </p:cNvPr>
@@ -783,7 +783,7 @@
           <p:cNvPr id="3" name="内容占位符 2">
             <a:extLst>
               <a:ext uri="{FF2B5EF4-FFF2-40B4-BE49-F238E27FC236}">
-                <a16:creationId xmlns:a16="http://schemas.microsoft.com/office/drawing/2014/main" id="{72B45066-A6A6-6884-0A0F-064094B241C3}"/>
+                <a16:creationId xmlns:a16="http://schemas.microsoft.com/office/drawing/2014/main" id="{00E6AEFD-1005-0A54-F24B-1CD3F1610243}"/>
               </a:ext>
             </a:extLst>
           </p:cNvPr>
@@ -840,7 +840,7 @@
           <p:cNvPr id="4" name="日期占位符 3">
             <a:extLst>
               <a:ext uri="{FF2B5EF4-FFF2-40B4-BE49-F238E27FC236}">
-                <a16:creationId xmlns:a16="http://schemas.microsoft.com/office/drawing/2014/main" id="{B22B825C-A465-96E6-D540-36B65341B098}"/>
+                <a16:creationId xmlns:a16="http://schemas.microsoft.com/office/drawing/2014/main" id="{20204A51-F98E-55E6-43CA-4601B1CCD562}"/>
               </a:ext>
             </a:extLst>
           </p:cNvPr>
@@ -856,7 +856,7 @@
           <a:bodyPr/>
           <a:lstStyle/>
           <a:p>
-            <a:fld id="{85DDC8BA-F7DF-4ACA-B0AC-3A6B5FE95FFE}" type="datetimeFigureOut">
+            <a:fld id="{D2043A13-8273-4F8D-9486-220293FC9E47}" type="datetimeFigureOut">
               <a:rPr lang="zh-CN" altLang="en-US" smtClean="0"/>
               <a:t>2024/3/10</a:t>
             </a:fld>
@@ -869,7 +869,7 @@
           <p:cNvPr id="5" name="页脚占位符 4">
             <a:extLst>
               <a:ext uri="{FF2B5EF4-FFF2-40B4-BE49-F238E27FC236}">
-                <a16:creationId xmlns:a16="http://schemas.microsoft.com/office/drawing/2014/main" id="{9790C321-455D-6B6B-1747-18FE60D22FC7}"/>
+                <a16:creationId xmlns:a16="http://schemas.microsoft.com/office/drawing/2014/main" id="{5C9E6AE8-F3EA-BFE9-7068-74AB6D130192}"/>
               </a:ext>
             </a:extLst>
           </p:cNvPr>
@@ -894,7 +894,7 @@
           <p:cNvPr id="6" name="灯片编号占位符 5">
             <a:extLst>
               <a:ext uri="{FF2B5EF4-FFF2-40B4-BE49-F238E27FC236}">
-                <a16:creationId xmlns:a16="http://schemas.microsoft.com/office/drawing/2014/main" id="{3C005E28-41B5-F4E9-FD6B-9C87E89DBA92}"/>
+                <a16:creationId xmlns:a16="http://schemas.microsoft.com/office/drawing/2014/main" id="{EE07545D-DE79-A6FD-A3C4-C974F7651DC4}"/>
               </a:ext>
             </a:extLst>
           </p:cNvPr>
@@ -910,7 +910,7 @@
           <a:bodyPr/>
           <a:lstStyle/>
           <a:p>
-            <a:fld id="{FC7AF31B-4454-4BB5-88AC-DB483A89AE10}" type="slidenum">
+            <a:fld id="{CE70EE3B-9308-452A-97A4-BDA222A7E0BE}" type="slidenum">
               <a:rPr lang="zh-CN" altLang="en-US" smtClean="0"/>
               <a:t>‹#›</a:t>
             </a:fld>
@@ -921,7 +921,7 @@
     </p:spTree>
     <p:extLst>
       <p:ext uri="{BB962C8B-B14F-4D97-AF65-F5344CB8AC3E}">
-        <p14:creationId xmlns:p14="http://schemas.microsoft.com/office/powerpoint/2010/main" val="1206610169"/>
+        <p14:creationId xmlns:p14="http://schemas.microsoft.com/office/powerpoint/2010/main" val="2808758466"/>
       </p:ext>
     </p:extLst>
   </p:cSld>
@@ -953,7 +953,7 @@
           <p:cNvPr id="2" name="标题 1">
             <a:extLst>
               <a:ext uri="{FF2B5EF4-FFF2-40B4-BE49-F238E27FC236}">
-                <a16:creationId xmlns:a16="http://schemas.microsoft.com/office/drawing/2014/main" id="{C03276F7-7944-9895-5E81-06D6464C88B6}"/>
+                <a16:creationId xmlns:a16="http://schemas.microsoft.com/office/drawing/2014/main" id="{09AC468C-3AB1-95E1-0013-AB1F129D2F64}"/>
               </a:ext>
             </a:extLst>
           </p:cNvPr>
@@ -990,7 +990,7 @@
           <p:cNvPr id="3" name="文本占位符 2">
             <a:extLst>
               <a:ext uri="{FF2B5EF4-FFF2-40B4-BE49-F238E27FC236}">
-                <a16:creationId xmlns:a16="http://schemas.microsoft.com/office/drawing/2014/main" id="{AD1D905B-2BD6-322F-BD0D-EA0BE3B9D337}"/>
+                <a16:creationId xmlns:a16="http://schemas.microsoft.com/office/drawing/2014/main" id="{19B58A35-F424-4392-98D8-91C2A905BD67}"/>
               </a:ext>
             </a:extLst>
           </p:cNvPr>
@@ -1115,7 +1115,7 @@
           <p:cNvPr id="4" name="日期占位符 3">
             <a:extLst>
               <a:ext uri="{FF2B5EF4-FFF2-40B4-BE49-F238E27FC236}">
-                <a16:creationId xmlns:a16="http://schemas.microsoft.com/office/drawing/2014/main" id="{C0FBA8F8-2A45-B091-D642-F86B71CECA83}"/>
+                <a16:creationId xmlns:a16="http://schemas.microsoft.com/office/drawing/2014/main" id="{4BB6A844-0816-843E-1913-461143D073E0}"/>
               </a:ext>
             </a:extLst>
           </p:cNvPr>
@@ -1131,7 +1131,7 @@
           <a:bodyPr/>
           <a:lstStyle/>
           <a:p>
-            <a:fld id="{85DDC8BA-F7DF-4ACA-B0AC-3A6B5FE95FFE}" type="datetimeFigureOut">
+            <a:fld id="{D2043A13-8273-4F8D-9486-220293FC9E47}" type="datetimeFigureOut">
               <a:rPr lang="zh-CN" altLang="en-US" smtClean="0"/>
               <a:t>2024/3/10</a:t>
             </a:fld>
@@ -1144,7 +1144,7 @@
           <p:cNvPr id="5" name="页脚占位符 4">
             <a:extLst>
               <a:ext uri="{FF2B5EF4-FFF2-40B4-BE49-F238E27FC236}">
-                <a16:creationId xmlns:a16="http://schemas.microsoft.com/office/drawing/2014/main" id="{6768988D-D40D-A7C7-3CA0-B0F49E58F748}"/>
+                <a16:creationId xmlns:a16="http://schemas.microsoft.com/office/drawing/2014/main" id="{2CC08192-A725-8308-4F8E-A38F8F5DB1E0}"/>
               </a:ext>
             </a:extLst>
           </p:cNvPr>
@@ -1169,7 +1169,7 @@
           <p:cNvPr id="6" name="灯片编号占位符 5">
             <a:extLst>
               <a:ext uri="{FF2B5EF4-FFF2-40B4-BE49-F238E27FC236}">
-                <a16:creationId xmlns:a16="http://schemas.microsoft.com/office/drawing/2014/main" id="{91144C6C-1209-5E82-0F46-59184FC0683F}"/>
+                <a16:creationId xmlns:a16="http://schemas.microsoft.com/office/drawing/2014/main" id="{189BE5D3-5263-7330-E081-DB3EB92F6A28}"/>
               </a:ext>
             </a:extLst>
           </p:cNvPr>
@@ -1185,7 +1185,7 @@
           <a:bodyPr/>
           <a:lstStyle/>
           <a:p>
-            <a:fld id="{FC7AF31B-4454-4BB5-88AC-DB483A89AE10}" type="slidenum">
+            <a:fld id="{CE70EE3B-9308-452A-97A4-BDA222A7E0BE}" type="slidenum">
               <a:rPr lang="zh-CN" altLang="en-US" smtClean="0"/>
               <a:t>‹#›</a:t>
             </a:fld>
@@ -1196,7 +1196,7 @@
     </p:spTree>
     <p:extLst>
       <p:ext uri="{BB962C8B-B14F-4D97-AF65-F5344CB8AC3E}">
-        <p14:creationId xmlns:p14="http://schemas.microsoft.com/office/powerpoint/2010/main" val="53711235"/>
+        <p14:creationId xmlns:p14="http://schemas.microsoft.com/office/powerpoint/2010/main" val="918757942"/>
       </p:ext>
     </p:extLst>
   </p:cSld>
@@ -1228,7 +1228,7 @@
           <p:cNvPr id="2" name="标题 1">
             <a:extLst>
               <a:ext uri="{FF2B5EF4-FFF2-40B4-BE49-F238E27FC236}">
-                <a16:creationId xmlns:a16="http://schemas.microsoft.com/office/drawing/2014/main" id="{DBBEF364-159E-9AF8-F444-7E8FDFE1DEB4}"/>
+                <a16:creationId xmlns:a16="http://schemas.microsoft.com/office/drawing/2014/main" id="{9A78F4D9-3F62-9E04-7B5E-4341C8530BF6}"/>
               </a:ext>
             </a:extLst>
           </p:cNvPr>
@@ -1256,7 +1256,7 @@
           <p:cNvPr id="3" name="内容占位符 2">
             <a:extLst>
               <a:ext uri="{FF2B5EF4-FFF2-40B4-BE49-F238E27FC236}">
-                <a16:creationId xmlns:a16="http://schemas.microsoft.com/office/drawing/2014/main" id="{8CB6C7DD-C8D1-38AA-D3A7-F52EF3337C45}"/>
+                <a16:creationId xmlns:a16="http://schemas.microsoft.com/office/drawing/2014/main" id="{C4D0038C-FF76-28C0-433F-62FED22CEBA8}"/>
               </a:ext>
             </a:extLst>
           </p:cNvPr>
@@ -1318,7 +1318,7 @@
           <p:cNvPr id="4" name="内容占位符 3">
             <a:extLst>
               <a:ext uri="{FF2B5EF4-FFF2-40B4-BE49-F238E27FC236}">
-                <a16:creationId xmlns:a16="http://schemas.microsoft.com/office/drawing/2014/main" id="{1884A4ED-0BC6-B792-5067-3582AA70CED6}"/>
+                <a16:creationId xmlns:a16="http://schemas.microsoft.com/office/drawing/2014/main" id="{14EDAE11-291C-413A-13AD-3F22968CB42D}"/>
               </a:ext>
             </a:extLst>
           </p:cNvPr>
@@ -1380,7 +1380,7 @@
           <p:cNvPr id="5" name="日期占位符 4">
             <a:extLst>
               <a:ext uri="{FF2B5EF4-FFF2-40B4-BE49-F238E27FC236}">
-                <a16:creationId xmlns:a16="http://schemas.microsoft.com/office/drawing/2014/main" id="{0788B31C-AE6E-796A-E198-3496A9AA6BFD}"/>
+                <a16:creationId xmlns:a16="http://schemas.microsoft.com/office/drawing/2014/main" id="{EDCE70CC-ECE3-3FA6-64A0-DEF2A700B0DC}"/>
               </a:ext>
             </a:extLst>
           </p:cNvPr>
@@ -1396,7 +1396,7 @@
           <a:bodyPr/>
           <a:lstStyle/>
           <a:p>
-            <a:fld id="{85DDC8BA-F7DF-4ACA-B0AC-3A6B5FE95FFE}" type="datetimeFigureOut">
+            <a:fld id="{D2043A13-8273-4F8D-9486-220293FC9E47}" type="datetimeFigureOut">
               <a:rPr lang="zh-CN" altLang="en-US" smtClean="0"/>
               <a:t>2024/3/10</a:t>
             </a:fld>
@@ -1409,7 +1409,7 @@
           <p:cNvPr id="6" name="页脚占位符 5">
             <a:extLst>
               <a:ext uri="{FF2B5EF4-FFF2-40B4-BE49-F238E27FC236}">
-                <a16:creationId xmlns:a16="http://schemas.microsoft.com/office/drawing/2014/main" id="{73146FFD-2FDF-C064-86E5-11ACD3ECDA38}"/>
+                <a16:creationId xmlns:a16="http://schemas.microsoft.com/office/drawing/2014/main" id="{97B04886-7D04-7E52-7FB8-3D2AEB10D6B9}"/>
               </a:ext>
             </a:extLst>
           </p:cNvPr>
@@ -1434,7 +1434,7 @@
           <p:cNvPr id="7" name="灯片编号占位符 6">
             <a:extLst>
               <a:ext uri="{FF2B5EF4-FFF2-40B4-BE49-F238E27FC236}">
-                <a16:creationId xmlns:a16="http://schemas.microsoft.com/office/drawing/2014/main" id="{43E7A1EA-8902-37A0-71A3-F0518EE4A52E}"/>
+                <a16:creationId xmlns:a16="http://schemas.microsoft.com/office/drawing/2014/main" id="{57BC0AFA-61E3-7EAF-1EED-B758ECE3311A}"/>
               </a:ext>
             </a:extLst>
           </p:cNvPr>
@@ -1450,7 +1450,7 @@
           <a:bodyPr/>
           <a:lstStyle/>
           <a:p>
-            <a:fld id="{FC7AF31B-4454-4BB5-88AC-DB483A89AE10}" type="slidenum">
+            <a:fld id="{CE70EE3B-9308-452A-97A4-BDA222A7E0BE}" type="slidenum">
               <a:rPr lang="zh-CN" altLang="en-US" smtClean="0"/>
               <a:t>‹#›</a:t>
             </a:fld>
@@ -1461,7 +1461,7 @@
     </p:spTree>
     <p:extLst>
       <p:ext uri="{BB962C8B-B14F-4D97-AF65-F5344CB8AC3E}">
-        <p14:creationId xmlns:p14="http://schemas.microsoft.com/office/powerpoint/2010/main" val="4069214786"/>
+        <p14:creationId xmlns:p14="http://schemas.microsoft.com/office/powerpoint/2010/main" val="3065677194"/>
       </p:ext>
     </p:extLst>
   </p:cSld>
@@ -1493,7 +1493,7 @@
           <p:cNvPr id="2" name="标题 1">
             <a:extLst>
               <a:ext uri="{FF2B5EF4-FFF2-40B4-BE49-F238E27FC236}">
-                <a16:creationId xmlns:a16="http://schemas.microsoft.com/office/drawing/2014/main" id="{0E44C83C-660B-2CFC-5DEE-CBDF5FCE4FE3}"/>
+                <a16:creationId xmlns:a16="http://schemas.microsoft.com/office/drawing/2014/main" id="{6A0497A5-FEF7-6621-4F32-D2DA527A0231}"/>
               </a:ext>
             </a:extLst>
           </p:cNvPr>
@@ -1526,7 +1526,7 @@
           <p:cNvPr id="3" name="文本占位符 2">
             <a:extLst>
               <a:ext uri="{FF2B5EF4-FFF2-40B4-BE49-F238E27FC236}">
-                <a16:creationId xmlns:a16="http://schemas.microsoft.com/office/drawing/2014/main" id="{BFFF9331-AC53-4778-84DF-7F327BFC7F36}"/>
+                <a16:creationId xmlns:a16="http://schemas.microsoft.com/office/drawing/2014/main" id="{E121A1E5-4D83-B853-C3D7-B3CC808074A5}"/>
               </a:ext>
             </a:extLst>
           </p:cNvPr>
@@ -1597,7 +1597,7 @@
           <p:cNvPr id="4" name="内容占位符 3">
             <a:extLst>
               <a:ext uri="{FF2B5EF4-FFF2-40B4-BE49-F238E27FC236}">
-                <a16:creationId xmlns:a16="http://schemas.microsoft.com/office/drawing/2014/main" id="{3D963C4A-6F56-EFF6-FE90-E1A126C0B87A}"/>
+                <a16:creationId xmlns:a16="http://schemas.microsoft.com/office/drawing/2014/main" id="{03694D27-42A3-C401-4604-CDA199E99114}"/>
               </a:ext>
             </a:extLst>
           </p:cNvPr>
@@ -1659,7 +1659,7 @@
           <p:cNvPr id="5" name="文本占位符 4">
             <a:extLst>
               <a:ext uri="{FF2B5EF4-FFF2-40B4-BE49-F238E27FC236}">
-                <a16:creationId xmlns:a16="http://schemas.microsoft.com/office/drawing/2014/main" id="{16654F0B-6EC9-97BF-06F4-06F59864C53F}"/>
+                <a16:creationId xmlns:a16="http://schemas.microsoft.com/office/drawing/2014/main" id="{50CCD55E-4ED9-5EFE-95C9-525EC07DF449}"/>
               </a:ext>
             </a:extLst>
           </p:cNvPr>
@@ -1730,7 +1730,7 @@
           <p:cNvPr id="6" name="内容占位符 5">
             <a:extLst>
               <a:ext uri="{FF2B5EF4-FFF2-40B4-BE49-F238E27FC236}">
-                <a16:creationId xmlns:a16="http://schemas.microsoft.com/office/drawing/2014/main" id="{DB21669E-1840-2DDA-E3ED-272EE83E1A6A}"/>
+                <a16:creationId xmlns:a16="http://schemas.microsoft.com/office/drawing/2014/main" id="{75868573-20C7-8A30-44EC-FDB3892E16FF}"/>
               </a:ext>
             </a:extLst>
           </p:cNvPr>
@@ -1792,7 +1792,7 @@
           <p:cNvPr id="7" name="日期占位符 6">
             <a:extLst>
               <a:ext uri="{FF2B5EF4-FFF2-40B4-BE49-F238E27FC236}">
-                <a16:creationId xmlns:a16="http://schemas.microsoft.com/office/drawing/2014/main" id="{AEB224B7-6255-0221-25AE-F66B775AA6E5}"/>
+                <a16:creationId xmlns:a16="http://schemas.microsoft.com/office/drawing/2014/main" id="{51535665-8DC9-7AE9-03D4-8947E94CB384}"/>
               </a:ext>
             </a:extLst>
           </p:cNvPr>
@@ -1808,7 +1808,7 @@
           <a:bodyPr/>
           <a:lstStyle/>
           <a:p>
-            <a:fld id="{85DDC8BA-F7DF-4ACA-B0AC-3A6B5FE95FFE}" type="datetimeFigureOut">
+            <a:fld id="{D2043A13-8273-4F8D-9486-220293FC9E47}" type="datetimeFigureOut">
               <a:rPr lang="zh-CN" altLang="en-US" smtClean="0"/>
               <a:t>2024/3/10</a:t>
             </a:fld>
@@ -1821,7 +1821,7 @@
           <p:cNvPr id="8" name="页脚占位符 7">
             <a:extLst>
               <a:ext uri="{FF2B5EF4-FFF2-40B4-BE49-F238E27FC236}">
-                <a16:creationId xmlns:a16="http://schemas.microsoft.com/office/drawing/2014/main" id="{CB8431C8-EC41-6154-83C2-5705EC237EC6}"/>
+                <a16:creationId xmlns:a16="http://schemas.microsoft.com/office/drawing/2014/main" id="{5D18D11E-E65D-B307-9B7E-070569FC0313}"/>
               </a:ext>
             </a:extLst>
           </p:cNvPr>
@@ -1846,7 +1846,7 @@
           <p:cNvPr id="9" name="灯片编号占位符 8">
             <a:extLst>
               <a:ext uri="{FF2B5EF4-FFF2-40B4-BE49-F238E27FC236}">
-                <a16:creationId xmlns:a16="http://schemas.microsoft.com/office/drawing/2014/main" id="{68E6AF7D-FAEA-F2B2-B530-5440EB4233F0}"/>
+                <a16:creationId xmlns:a16="http://schemas.microsoft.com/office/drawing/2014/main" id="{96F8EDF0-7DCE-1E0B-7067-2F1256CC8A7A}"/>
               </a:ext>
             </a:extLst>
           </p:cNvPr>
@@ -1862,7 +1862,7 @@
           <a:bodyPr/>
           <a:lstStyle/>
           <a:p>
-            <a:fld id="{FC7AF31B-4454-4BB5-88AC-DB483A89AE10}" type="slidenum">
+            <a:fld id="{CE70EE3B-9308-452A-97A4-BDA222A7E0BE}" type="slidenum">
               <a:rPr lang="zh-CN" altLang="en-US" smtClean="0"/>
               <a:t>‹#›</a:t>
             </a:fld>
@@ -1873,7 +1873,7 @@
     </p:spTree>
     <p:extLst>
       <p:ext uri="{BB962C8B-B14F-4D97-AF65-F5344CB8AC3E}">
-        <p14:creationId xmlns:p14="http://schemas.microsoft.com/office/powerpoint/2010/main" val="1402644815"/>
+        <p14:creationId xmlns:p14="http://schemas.microsoft.com/office/powerpoint/2010/main" val="2677136308"/>
       </p:ext>
     </p:extLst>
   </p:cSld>
@@ -1905,7 +1905,7 @@
           <p:cNvPr id="2" name="标题 1">
             <a:extLst>
               <a:ext uri="{FF2B5EF4-FFF2-40B4-BE49-F238E27FC236}">
-                <a16:creationId xmlns:a16="http://schemas.microsoft.com/office/drawing/2014/main" id="{040D8468-65C1-79AA-445F-1660ECD0FF7D}"/>
+                <a16:creationId xmlns:a16="http://schemas.microsoft.com/office/drawing/2014/main" id="{CF521D02-5062-5ED7-02E1-AE06C9D2A3DF}"/>
               </a:ext>
             </a:extLst>
           </p:cNvPr>
@@ -1933,7 +1933,7 @@
           <p:cNvPr id="3" name="日期占位符 2">
             <a:extLst>
               <a:ext uri="{FF2B5EF4-FFF2-40B4-BE49-F238E27FC236}">
-                <a16:creationId xmlns:a16="http://schemas.microsoft.com/office/drawing/2014/main" id="{440ED3F5-1E35-A589-B884-1CAC2D6D1B13}"/>
+                <a16:creationId xmlns:a16="http://schemas.microsoft.com/office/drawing/2014/main" id="{AB9B79FD-042A-9F87-45F7-66F7733970DE}"/>
               </a:ext>
             </a:extLst>
           </p:cNvPr>
@@ -1949,7 +1949,7 @@
           <a:bodyPr/>
           <a:lstStyle/>
           <a:p>
-            <a:fld id="{85DDC8BA-F7DF-4ACA-B0AC-3A6B5FE95FFE}" type="datetimeFigureOut">
+            <a:fld id="{D2043A13-8273-4F8D-9486-220293FC9E47}" type="datetimeFigureOut">
               <a:rPr lang="zh-CN" altLang="en-US" smtClean="0"/>
               <a:t>2024/3/10</a:t>
             </a:fld>
@@ -1962,7 +1962,7 @@
           <p:cNvPr id="4" name="页脚占位符 3">
             <a:extLst>
               <a:ext uri="{FF2B5EF4-FFF2-40B4-BE49-F238E27FC236}">
-                <a16:creationId xmlns:a16="http://schemas.microsoft.com/office/drawing/2014/main" id="{F2D321CA-4851-F906-10A0-A72C82C2EC3F}"/>
+                <a16:creationId xmlns:a16="http://schemas.microsoft.com/office/drawing/2014/main" id="{699B09A8-7FB4-4184-8B5F-F850AC639937}"/>
               </a:ext>
             </a:extLst>
           </p:cNvPr>
@@ -1987,7 +1987,7 @@
           <p:cNvPr id="5" name="灯片编号占位符 4">
             <a:extLst>
               <a:ext uri="{FF2B5EF4-FFF2-40B4-BE49-F238E27FC236}">
-                <a16:creationId xmlns:a16="http://schemas.microsoft.com/office/drawing/2014/main" id="{F8BF6127-BD35-86CD-C61E-559789BA3813}"/>
+                <a16:creationId xmlns:a16="http://schemas.microsoft.com/office/drawing/2014/main" id="{9139D909-C4DB-AF1A-3E48-C4EB5970ACFC}"/>
               </a:ext>
             </a:extLst>
           </p:cNvPr>
@@ -2003,7 +2003,7 @@
           <a:bodyPr/>
           <a:lstStyle/>
           <a:p>
-            <a:fld id="{FC7AF31B-4454-4BB5-88AC-DB483A89AE10}" type="slidenum">
+            <a:fld id="{CE70EE3B-9308-452A-97A4-BDA222A7E0BE}" type="slidenum">
               <a:rPr lang="zh-CN" altLang="en-US" smtClean="0"/>
               <a:t>‹#›</a:t>
             </a:fld>
@@ -2014,7 +2014,7 @@
     </p:spTree>
     <p:extLst>
       <p:ext uri="{BB962C8B-B14F-4D97-AF65-F5344CB8AC3E}">
-        <p14:creationId xmlns:p14="http://schemas.microsoft.com/office/powerpoint/2010/main" val="267705090"/>
+        <p14:creationId xmlns:p14="http://schemas.microsoft.com/office/powerpoint/2010/main" val="4164472164"/>
       </p:ext>
     </p:extLst>
   </p:cSld>
@@ -2046,7 +2046,7 @@
           <p:cNvPr id="2" name="日期占位符 1">
             <a:extLst>
               <a:ext uri="{FF2B5EF4-FFF2-40B4-BE49-F238E27FC236}">
-                <a16:creationId xmlns:a16="http://schemas.microsoft.com/office/drawing/2014/main" id="{FDFB312A-E577-E0E1-DBEE-D49AC36B4386}"/>
+                <a16:creationId xmlns:a16="http://schemas.microsoft.com/office/drawing/2014/main" id="{2E5ADF41-5464-CC73-2BD9-070921B04EF5}"/>
               </a:ext>
             </a:extLst>
           </p:cNvPr>
@@ -2062,7 +2062,7 @@
           <a:bodyPr/>
           <a:lstStyle/>
           <a:p>
-            <a:fld id="{85DDC8BA-F7DF-4ACA-B0AC-3A6B5FE95FFE}" type="datetimeFigureOut">
+            <a:fld id="{D2043A13-8273-4F8D-9486-220293FC9E47}" type="datetimeFigureOut">
               <a:rPr lang="zh-CN" altLang="en-US" smtClean="0"/>
               <a:t>2024/3/10</a:t>
             </a:fld>
@@ -2075,7 +2075,7 @@
           <p:cNvPr id="3" name="页脚占位符 2">
             <a:extLst>
               <a:ext uri="{FF2B5EF4-FFF2-40B4-BE49-F238E27FC236}">
-                <a16:creationId xmlns:a16="http://schemas.microsoft.com/office/drawing/2014/main" id="{E6EB3353-819F-0D54-70FF-D38787859A49}"/>
+                <a16:creationId xmlns:a16="http://schemas.microsoft.com/office/drawing/2014/main" id="{1B165133-332A-9998-3CCC-2322D87E69E1}"/>
               </a:ext>
             </a:extLst>
           </p:cNvPr>
@@ -2100,7 +2100,7 @@
           <p:cNvPr id="4" name="灯片编号占位符 3">
             <a:extLst>
               <a:ext uri="{FF2B5EF4-FFF2-40B4-BE49-F238E27FC236}">
-                <a16:creationId xmlns:a16="http://schemas.microsoft.com/office/drawing/2014/main" id="{0774C945-F8C1-BFB9-0BA6-C0F87F47F59A}"/>
+                <a16:creationId xmlns:a16="http://schemas.microsoft.com/office/drawing/2014/main" id="{F215DD7C-EA1C-6930-08AE-D50F971A8B18}"/>
               </a:ext>
             </a:extLst>
           </p:cNvPr>
@@ -2116,7 +2116,7 @@
           <a:bodyPr/>
           <a:lstStyle/>
           <a:p>
-            <a:fld id="{FC7AF31B-4454-4BB5-88AC-DB483A89AE10}" type="slidenum">
+            <a:fld id="{CE70EE3B-9308-452A-97A4-BDA222A7E0BE}" type="slidenum">
               <a:rPr lang="zh-CN" altLang="en-US" smtClean="0"/>
               <a:t>‹#›</a:t>
             </a:fld>
@@ -2127,7 +2127,7 @@
     </p:spTree>
     <p:extLst>
       <p:ext uri="{BB962C8B-B14F-4D97-AF65-F5344CB8AC3E}">
-        <p14:creationId xmlns:p14="http://schemas.microsoft.com/office/powerpoint/2010/main" val="355695041"/>
+        <p14:creationId xmlns:p14="http://schemas.microsoft.com/office/powerpoint/2010/main" val="2090743462"/>
       </p:ext>
     </p:extLst>
   </p:cSld>
@@ -2159,7 +2159,7 @@
           <p:cNvPr id="2" name="标题 1">
             <a:extLst>
               <a:ext uri="{FF2B5EF4-FFF2-40B4-BE49-F238E27FC236}">
-                <a16:creationId xmlns:a16="http://schemas.microsoft.com/office/drawing/2014/main" id="{9C1B92B6-690E-9FDB-491F-B1D9DCF24656}"/>
+                <a16:creationId xmlns:a16="http://schemas.microsoft.com/office/drawing/2014/main" id="{AD85BA72-874B-B8AB-0EAD-6D2A0EF4D435}"/>
               </a:ext>
             </a:extLst>
           </p:cNvPr>
@@ -2196,7 +2196,7 @@
           <p:cNvPr id="3" name="内容占位符 2">
             <a:extLst>
               <a:ext uri="{FF2B5EF4-FFF2-40B4-BE49-F238E27FC236}">
-                <a16:creationId xmlns:a16="http://schemas.microsoft.com/office/drawing/2014/main" id="{C18EA521-D309-3AA1-4D6C-8DE9BF5153D1}"/>
+                <a16:creationId xmlns:a16="http://schemas.microsoft.com/office/drawing/2014/main" id="{565E525B-1855-DDB6-8ADE-A520C6D2EE3F}"/>
               </a:ext>
             </a:extLst>
           </p:cNvPr>
@@ -2286,7 +2286,7 @@
           <p:cNvPr id="4" name="文本占位符 3">
             <a:extLst>
               <a:ext uri="{FF2B5EF4-FFF2-40B4-BE49-F238E27FC236}">
-                <a16:creationId xmlns:a16="http://schemas.microsoft.com/office/drawing/2014/main" id="{7453B55F-7214-FF56-3CB2-B15E347F6A65}"/>
+                <a16:creationId xmlns:a16="http://schemas.microsoft.com/office/drawing/2014/main" id="{038559E1-F826-3022-09FD-F33FE1DAD2F8}"/>
               </a:ext>
             </a:extLst>
           </p:cNvPr>
@@ -2357,7 +2357,7 @@
           <p:cNvPr id="5" name="日期占位符 4">
             <a:extLst>
               <a:ext uri="{FF2B5EF4-FFF2-40B4-BE49-F238E27FC236}">
-                <a16:creationId xmlns:a16="http://schemas.microsoft.com/office/drawing/2014/main" id="{F7C9A72B-9D83-EA3D-EDD7-933652BD59C7}"/>
+                <a16:creationId xmlns:a16="http://schemas.microsoft.com/office/drawing/2014/main" id="{EC472802-62BF-565D-BF0C-6A32FBDDE701}"/>
               </a:ext>
             </a:extLst>
           </p:cNvPr>
@@ -2373,7 +2373,7 @@
           <a:bodyPr/>
           <a:lstStyle/>
           <a:p>
-            <a:fld id="{85DDC8BA-F7DF-4ACA-B0AC-3A6B5FE95FFE}" type="datetimeFigureOut">
+            <a:fld id="{D2043A13-8273-4F8D-9486-220293FC9E47}" type="datetimeFigureOut">
               <a:rPr lang="zh-CN" altLang="en-US" smtClean="0"/>
               <a:t>2024/3/10</a:t>
             </a:fld>
@@ -2386,7 +2386,7 @@
           <p:cNvPr id="6" name="页脚占位符 5">
             <a:extLst>
               <a:ext uri="{FF2B5EF4-FFF2-40B4-BE49-F238E27FC236}">
-                <a16:creationId xmlns:a16="http://schemas.microsoft.com/office/drawing/2014/main" id="{E991DAB6-F9C0-E26C-2B50-51364DE8EB99}"/>
+                <a16:creationId xmlns:a16="http://schemas.microsoft.com/office/drawing/2014/main" id="{C79A15CF-3D0A-7BA3-8222-EC4E6A5B6B01}"/>
               </a:ext>
             </a:extLst>
           </p:cNvPr>
@@ -2411,7 +2411,7 @@
           <p:cNvPr id="7" name="灯片编号占位符 6">
             <a:extLst>
               <a:ext uri="{FF2B5EF4-FFF2-40B4-BE49-F238E27FC236}">
-                <a16:creationId xmlns:a16="http://schemas.microsoft.com/office/drawing/2014/main" id="{D9A7C2EF-2882-2E72-6C70-FA0E3E49564E}"/>
+                <a16:creationId xmlns:a16="http://schemas.microsoft.com/office/drawing/2014/main" id="{639DAED4-B967-2606-7B43-7CB49208CEA3}"/>
               </a:ext>
             </a:extLst>
           </p:cNvPr>
@@ -2427,7 +2427,7 @@
           <a:bodyPr/>
           <a:lstStyle/>
           <a:p>
-            <a:fld id="{FC7AF31B-4454-4BB5-88AC-DB483A89AE10}" type="slidenum">
+            <a:fld id="{CE70EE3B-9308-452A-97A4-BDA222A7E0BE}" type="slidenum">
               <a:rPr lang="zh-CN" altLang="en-US" smtClean="0"/>
               <a:t>‹#›</a:t>
             </a:fld>
@@ -2438,7 +2438,7 @@
     </p:spTree>
     <p:extLst>
       <p:ext uri="{BB962C8B-B14F-4D97-AF65-F5344CB8AC3E}">
-        <p14:creationId xmlns:p14="http://schemas.microsoft.com/office/powerpoint/2010/main" val="797732898"/>
+        <p14:creationId xmlns:p14="http://schemas.microsoft.com/office/powerpoint/2010/main" val="2078540143"/>
       </p:ext>
     </p:extLst>
   </p:cSld>
@@ -2470,7 +2470,7 @@
           <p:cNvPr id="2" name="标题 1">
             <a:extLst>
               <a:ext uri="{FF2B5EF4-FFF2-40B4-BE49-F238E27FC236}">
-                <a16:creationId xmlns:a16="http://schemas.microsoft.com/office/drawing/2014/main" id="{EE9EF37C-9FEE-1D16-2394-A5884ED6AE07}"/>
+                <a16:creationId xmlns:a16="http://schemas.microsoft.com/office/drawing/2014/main" id="{53666306-0621-A29C-F3C6-FD2EE1F7DCD6}"/>
               </a:ext>
             </a:extLst>
           </p:cNvPr>
@@ -2507,7 +2507,7 @@
           <p:cNvPr id="3" name="图片占位符 2">
             <a:extLst>
               <a:ext uri="{FF2B5EF4-FFF2-40B4-BE49-F238E27FC236}">
-                <a16:creationId xmlns:a16="http://schemas.microsoft.com/office/drawing/2014/main" id="{E6CA7BFB-83A7-2A4A-1459-33AE18040ED3}"/>
+                <a16:creationId xmlns:a16="http://schemas.microsoft.com/office/drawing/2014/main" id="{E284E073-BA36-FFFC-EB56-D054C6F373CA}"/>
               </a:ext>
             </a:extLst>
           </p:cNvPr>
@@ -2574,7 +2574,7 @@
           <p:cNvPr id="4" name="文本占位符 3">
             <a:extLst>
               <a:ext uri="{FF2B5EF4-FFF2-40B4-BE49-F238E27FC236}">
-                <a16:creationId xmlns:a16="http://schemas.microsoft.com/office/drawing/2014/main" id="{F2EDCDF4-5E35-5007-F905-7F893463B98E}"/>
+                <a16:creationId xmlns:a16="http://schemas.microsoft.com/office/drawing/2014/main" id="{A77412DB-885E-EEEC-0B33-06AA13164BF2}"/>
               </a:ext>
             </a:extLst>
           </p:cNvPr>
@@ -2645,7 +2645,7 @@
           <p:cNvPr id="5" name="日期占位符 4">
             <a:extLst>
               <a:ext uri="{FF2B5EF4-FFF2-40B4-BE49-F238E27FC236}">
-                <a16:creationId xmlns:a16="http://schemas.microsoft.com/office/drawing/2014/main" id="{1AF74D40-FFC0-F2BA-2003-93A71035E03C}"/>
+                <a16:creationId xmlns:a16="http://schemas.microsoft.com/office/drawing/2014/main" id="{5F077EDB-2C77-8273-181A-846C5983E831}"/>
               </a:ext>
             </a:extLst>
           </p:cNvPr>
@@ -2661,7 +2661,7 @@
           <a:bodyPr/>
           <a:lstStyle/>
           <a:p>
-            <a:fld id="{85DDC8BA-F7DF-4ACA-B0AC-3A6B5FE95FFE}" type="datetimeFigureOut">
+            <a:fld id="{D2043A13-8273-4F8D-9486-220293FC9E47}" type="datetimeFigureOut">
               <a:rPr lang="zh-CN" altLang="en-US" smtClean="0"/>
               <a:t>2024/3/10</a:t>
             </a:fld>
@@ -2674,7 +2674,7 @@
           <p:cNvPr id="6" name="页脚占位符 5">
             <a:extLst>
               <a:ext uri="{FF2B5EF4-FFF2-40B4-BE49-F238E27FC236}">
-                <a16:creationId xmlns:a16="http://schemas.microsoft.com/office/drawing/2014/main" id="{6776513F-6786-FEF6-FA99-AFFA818BFEC8}"/>
+                <a16:creationId xmlns:a16="http://schemas.microsoft.com/office/drawing/2014/main" id="{740CB983-55D2-6A46-37C4-DA3498CE3746}"/>
               </a:ext>
             </a:extLst>
           </p:cNvPr>
@@ -2699,7 +2699,7 @@
           <p:cNvPr id="7" name="灯片编号占位符 6">
             <a:extLst>
               <a:ext uri="{FF2B5EF4-FFF2-40B4-BE49-F238E27FC236}">
-                <a16:creationId xmlns:a16="http://schemas.microsoft.com/office/drawing/2014/main" id="{8CCD75D4-B641-2466-871C-19CFABAB2996}"/>
+                <a16:creationId xmlns:a16="http://schemas.microsoft.com/office/drawing/2014/main" id="{F08EB95B-59E8-14FE-F901-BCEFA2D2B52B}"/>
               </a:ext>
             </a:extLst>
           </p:cNvPr>
@@ -2715,7 +2715,7 @@
           <a:bodyPr/>
           <a:lstStyle/>
           <a:p>
-            <a:fld id="{FC7AF31B-4454-4BB5-88AC-DB483A89AE10}" type="slidenum">
+            <a:fld id="{CE70EE3B-9308-452A-97A4-BDA222A7E0BE}" type="slidenum">
               <a:rPr lang="zh-CN" altLang="en-US" smtClean="0"/>
               <a:t>‹#›</a:t>
             </a:fld>
@@ -2726,7 +2726,7 @@
     </p:spTree>
     <p:extLst>
       <p:ext uri="{BB962C8B-B14F-4D97-AF65-F5344CB8AC3E}">
-        <p14:creationId xmlns:p14="http://schemas.microsoft.com/office/powerpoint/2010/main" val="3726517722"/>
+        <p14:creationId xmlns:p14="http://schemas.microsoft.com/office/powerpoint/2010/main" val="4182140689"/>
       </p:ext>
     </p:extLst>
   </p:cSld>
@@ -2763,7 +2763,7 @@
           <p:cNvPr id="2" name="标题占位符 1">
             <a:extLst>
               <a:ext uri="{FF2B5EF4-FFF2-40B4-BE49-F238E27FC236}">
-                <a16:creationId xmlns:a16="http://schemas.microsoft.com/office/drawing/2014/main" id="{B1C55ABB-E81C-7EAD-567F-8A7EC9E0D132}"/>
+                <a16:creationId xmlns:a16="http://schemas.microsoft.com/office/drawing/2014/main" id="{F1CAF41A-BBCC-2E9A-6BE4-1438E10BC127}"/>
               </a:ext>
             </a:extLst>
           </p:cNvPr>
@@ -2801,7 +2801,7 @@
           <p:cNvPr id="3" name="文本占位符 2">
             <a:extLst>
               <a:ext uri="{FF2B5EF4-FFF2-40B4-BE49-F238E27FC236}">
-                <a16:creationId xmlns:a16="http://schemas.microsoft.com/office/drawing/2014/main" id="{159AB0FE-9BB7-A47D-E7CE-3F60723DC949}"/>
+                <a16:creationId xmlns:a16="http://schemas.microsoft.com/office/drawing/2014/main" id="{DEA349F6-E718-01F6-1C06-0D986EDFD312}"/>
               </a:ext>
             </a:extLst>
           </p:cNvPr>
@@ -2868,7 +2868,7 @@
           <p:cNvPr id="4" name="日期占位符 3">
             <a:extLst>
               <a:ext uri="{FF2B5EF4-FFF2-40B4-BE49-F238E27FC236}">
-                <a16:creationId xmlns:a16="http://schemas.microsoft.com/office/drawing/2014/main" id="{8FC2FDBC-28FD-4FEF-7465-EA7FE33A0447}"/>
+                <a16:creationId xmlns:a16="http://schemas.microsoft.com/office/drawing/2014/main" id="{F93040A5-6141-2C76-6257-691DBD78F315}"/>
               </a:ext>
             </a:extLst>
           </p:cNvPr>
@@ -2902,7 +2902,7 @@
             </a:lvl1pPr>
           </a:lstStyle>
           <a:p>
-            <a:fld id="{85DDC8BA-F7DF-4ACA-B0AC-3A6B5FE95FFE}" type="datetimeFigureOut">
+            <a:fld id="{D2043A13-8273-4F8D-9486-220293FC9E47}" type="datetimeFigureOut">
               <a:rPr lang="zh-CN" altLang="en-US" smtClean="0"/>
               <a:t>2024/3/10</a:t>
             </a:fld>
@@ -2915,7 +2915,7 @@
           <p:cNvPr id="5" name="页脚占位符 4">
             <a:extLst>
               <a:ext uri="{FF2B5EF4-FFF2-40B4-BE49-F238E27FC236}">
-                <a16:creationId xmlns:a16="http://schemas.microsoft.com/office/drawing/2014/main" id="{D5866951-2A21-F692-6CFB-EE95703E5842}"/>
+                <a16:creationId xmlns:a16="http://schemas.microsoft.com/office/drawing/2014/main" id="{D584A45A-FBEE-4083-27A3-79E119DF76B6}"/>
               </a:ext>
             </a:extLst>
           </p:cNvPr>
@@ -2958,7 +2958,7 @@
           <p:cNvPr id="6" name="灯片编号占位符 5">
             <a:extLst>
               <a:ext uri="{FF2B5EF4-FFF2-40B4-BE49-F238E27FC236}">
-                <a16:creationId xmlns:a16="http://schemas.microsoft.com/office/drawing/2014/main" id="{11E7895C-2DD0-3C4B-D028-D27E324B3ACC}"/>
+                <a16:creationId xmlns:a16="http://schemas.microsoft.com/office/drawing/2014/main" id="{91AA6E1D-238C-BB8D-BC76-4257FE21250F}"/>
               </a:ext>
             </a:extLst>
           </p:cNvPr>
@@ -2992,7 +2992,7 @@
             </a:lvl1pPr>
           </a:lstStyle>
           <a:p>
-            <a:fld id="{FC7AF31B-4454-4BB5-88AC-DB483A89AE10}" type="slidenum">
+            <a:fld id="{CE70EE3B-9308-452A-97A4-BDA222A7E0BE}" type="slidenum">
               <a:rPr lang="zh-CN" altLang="en-US" smtClean="0"/>
               <a:t>‹#›</a:t>
             </a:fld>
@@ -3003,7 +3003,7 @@
     </p:spTree>
     <p:extLst>
       <p:ext uri="{BB962C8B-B14F-4D97-AF65-F5344CB8AC3E}">
-        <p14:creationId xmlns:p14="http://schemas.microsoft.com/office/powerpoint/2010/main" val="3332252738"/>
+        <p14:creationId xmlns:p14="http://schemas.microsoft.com/office/powerpoint/2010/main" val="2552344488"/>
       </p:ext>
     </p:extLst>
   </p:cSld>
@@ -3323,7 +3323,7 @@
       </p:grpSpPr>
       <p:pic>
         <p:nvPicPr>
-          <p:cNvPr id="1107970" name="Picture 2" descr="1081"/>
+          <p:cNvPr id="1108994" name="Picture 2" descr="1082"/>
           <p:cNvPicPr>
             <a:picLocks noChangeAspect="1" noChangeArrowheads="1"/>
           </p:cNvPicPr>
@@ -3375,11 +3375,158 @@
           </a:extLst>
         </p:spPr>
       </p:pic>
+      <p:pic>
+        <p:nvPicPr>
+          <p:cNvPr id="1110019" name="Picture 3" descr="1082-2"/>
+          <p:cNvPicPr>
+            <a:picLocks noChangeAspect="1" noChangeArrowheads="1"/>
+          </p:cNvPicPr>
+          <p:nvPr/>
+        </p:nvPicPr>
+        <p:blipFill>
+          <a:blip r:embed="rId3">
+            <a:extLst>
+              <a:ext uri="{28A0092B-C50C-407E-A947-70E740481C1C}">
+                <a14:useLocalDpi xmlns:a14="http://schemas.microsoft.com/office/drawing/2010/main" val="0"/>
+              </a:ext>
+            </a:extLst>
+          </a:blip>
+          <a:srcRect/>
+          <a:stretch>
+            <a:fillRect/>
+          </a:stretch>
+        </p:blipFill>
+        <p:spPr bwMode="auto">
+          <a:xfrm>
+            <a:off x="1524000" y="1"/>
+            <a:ext cx="9145588" cy="6886575"/>
+          </a:xfrm>
+          <a:prstGeom prst="rect">
+            <a:avLst/>
+          </a:prstGeom>
+          <a:noFill/>
+          <a:ln>
+            <a:noFill/>
+          </a:ln>
+          <a:effectLst/>
+          <a:extLst>
+            <a:ext uri="{909E8E84-426E-40DD-AFC4-6F175D3DCCD1}">
+              <a14:hiddenFill xmlns:a14="http://schemas.microsoft.com/office/drawing/2010/main">
+                <a:solidFill>
+                  <a:srgbClr val="FFFFFF"/>
+                </a:solidFill>
+              </a14:hiddenFill>
+            </a:ext>
+            <a:ext uri="{91240B29-F687-4F45-9708-019B960494DF}">
+              <a14:hiddenLine xmlns:a14="http://schemas.microsoft.com/office/drawing/2010/main" w="9525">
+                <a:solidFill>
+                  <a:srgbClr val="000000"/>
+                </a:solidFill>
+                <a:miter lim="800000"/>
+                <a:headEnd/>
+                <a:tailEnd/>
+              </a14:hiddenLine>
+            </a:ext>
+            <a:ext uri="{AF507438-7753-43E0-B8FC-AC1667EBCBE1}">
+              <a14:hiddenEffects xmlns:a14="http://schemas.microsoft.com/office/drawing/2010/main">
+                <a:effectLst>
+                  <a:outerShdw dist="35921" dir="2700000" algn="ctr" rotWithShape="0">
+                    <a:srgbClr val="808080"/>
+                  </a:outerShdw>
+                </a:effectLst>
+              </a14:hiddenEffects>
+            </a:ext>
+          </a:extLst>
+        </p:spPr>
+      </p:pic>
     </p:spTree>
   </p:cSld>
   <p:clrMapOvr>
     <a:masterClrMapping/>
   </p:clrMapOvr>
+  <p:timing>
+    <p:tnLst>
+      <p:par>
+        <p:cTn id="1" dur="indefinite" restart="never" nodeType="tmRoot">
+          <p:childTnLst>
+            <p:seq concurrent="1" nextAc="seek">
+              <p:cTn id="2" dur="indefinite" nodeType="mainSeq">
+                <p:childTnLst>
+                  <p:par>
+                    <p:cTn id="3" fill="hold" nodeType="clickPar">
+                      <p:stCondLst>
+                        <p:cond delay="indefinite"/>
+                      </p:stCondLst>
+                      <p:childTnLst>
+                        <p:par>
+                          <p:cTn id="4" fill="hold" nodeType="withGroup">
+                            <p:stCondLst>
+                              <p:cond delay="0"/>
+                            </p:stCondLst>
+                            <p:childTnLst>
+                              <p:par>
+                                <p:cTn id="5" presetID="10" presetClass="entr" presetSubtype="0" fill="hold" nodeType="clickEffect">
+                                  <p:stCondLst>
+                                    <p:cond delay="0"/>
+                                  </p:stCondLst>
+                                  <p:childTnLst>
+                                    <p:set>
+                                      <p:cBhvr>
+                                        <p:cTn id="6" dur="1" fill="hold">
+                                          <p:stCondLst>
+                                            <p:cond delay="0"/>
+                                          </p:stCondLst>
+                                        </p:cTn>
+                                        <p:tgtEl>
+                                          <p:spTgt spid="1110019"/>
+                                        </p:tgtEl>
+                                        <p:attrNameLst>
+                                          <p:attrName>style.visibility</p:attrName>
+                                        </p:attrNameLst>
+                                      </p:cBhvr>
+                                      <p:to>
+                                        <p:strVal val="visible"/>
+                                      </p:to>
+                                    </p:set>
+                                    <p:animEffect transition="in" filter="fade">
+                                      <p:cBhvr>
+                                        <p:cTn id="7" dur="500"/>
+                                        <p:tgtEl>
+                                          <p:spTgt spid="1110019"/>
+                                        </p:tgtEl>
+                                      </p:cBhvr>
+                                    </p:animEffect>
+                                  </p:childTnLst>
+                                </p:cTn>
+                              </p:par>
+                            </p:childTnLst>
+                          </p:cTn>
+                        </p:par>
+                      </p:childTnLst>
+                    </p:cTn>
+                  </p:par>
+                </p:childTnLst>
+              </p:cTn>
+              <p:prevCondLst>
+                <p:cond evt="onPrev" delay="0">
+                  <p:tgtEl>
+                    <p:sldTgt/>
+                  </p:tgtEl>
+                </p:cond>
+              </p:prevCondLst>
+              <p:nextCondLst>
+                <p:cond evt="onNext" delay="0">
+                  <p:tgtEl>
+                    <p:sldTgt/>
+                  </p:tgtEl>
+                </p:cond>
+              </p:nextCondLst>
+            </p:seq>
+          </p:childTnLst>
+        </p:cTn>
+      </p:par>
+    </p:tnLst>
+  </p:timing>
 </p:sld>
 </file>
 
